--- a/1차 자료/개인고객 신용등급 산정 모델링.pptx
+++ b/1차 자료/개인고객 신용등급 산정 모델링.pptx
@@ -683,6 +683,82 @@
             </a:r>
             <a:r>
               <a:t>.</a:t>
+            </a:r>
+          </a:p>
+        </p:txBody>
+      </p:sp>
+    </p:spTree>
+  </p:cSld>
+  <p:clrMapOvr>
+    <a:masterClrMapping/>
+  </p:clrMapOvr>
+</p:notes>
+</file>
+
+<file path=ppt/notesSlides/notesSlide11.xml><?xml version="1.0" encoding="utf-8"?>
+<p:notes xmlns:a="http://schemas.openxmlformats.org/drawingml/2006/main" xmlns:r="http://schemas.openxmlformats.org/officeDocument/2006/relationships" xmlns:p="http://schemas.openxmlformats.org/presentationml/2006/main" xmlns:m="http://schemas.openxmlformats.org/officeDocument/2006/math" xmlns:a14="http://schemas.microsoft.com/office/drawing/2010/main" showMasterSp="1" showMasterPhAnim="1">
+  <p:cSld>
+    <p:spTree>
+      <p:nvGrpSpPr>
+        <p:cNvPr id="1" name=""/>
+        <p:cNvGrpSpPr/>
+        <p:nvPr/>
+      </p:nvGrpSpPr>
+      <p:grpSpPr>
+        <a:xfrm>
+          <a:off x="0" y="0"/>
+          <a:ext cx="0" cy="0"/>
+          <a:chOff x="0" y="0"/>
+          <a:chExt cx="0" cy="0"/>
+        </a:xfrm>
+      </p:grpSpPr>
+      <p:sp>
+        <p:nvSpPr>
+          <p:cNvPr id="165" name="Shape 165"/>
+          <p:cNvSpPr/>
+          <p:nvPr>
+            <p:ph type="sldImg"/>
+          </p:nvPr>
+        </p:nvSpPr>
+        <p:spPr>
+          <a:prstGeom prst="rect">
+            <a:avLst/>
+          </a:prstGeom>
+        </p:spPr>
+        <p:txBody>
+          <a:bodyPr/>
+          <a:lstStyle/>
+          <a:p>
+            <a:pPr/>
+          </a:p>
+        </p:txBody>
+      </p:sp>
+      <p:sp>
+        <p:nvSpPr>
+          <p:cNvPr id="166" name="Shape 166"/>
+          <p:cNvSpPr/>
+          <p:nvPr>
+            <p:ph type="body" sz="quarter" idx="1"/>
+          </p:nvPr>
+        </p:nvSpPr>
+        <p:spPr>
+          <a:prstGeom prst="rect">
+            <a:avLst/>
+          </a:prstGeom>
+        </p:spPr>
+        <p:txBody>
+          <a:bodyPr/>
+          <a:lstStyle/>
+          <a:p>
+            <a:pPr/>
+            <a:r>
+              <a:t>그 외 처리를 간단히 말씀드리자면, 인코딩은 occupation, payement behavior 등의 범주형 변수에만 적용하였습니다. 라벨 인코딩 등을 활용했습니다.</a:t>
+            </a:r>
+          </a:p>
+          <a:p>
+            <a:pPr/>
+            <a:r>
+              <a:t>다음으로 저희 데이터에서는 중신용자 비율이 고신용자,저신용자에 비해 훨씬 많아서 불균형 데이터였습니다. 따라서 대표적 오버샘플링 기법인 SMOTE 기법을 적용해보았습니다. 그리고 후에 모델 성능 비교를 실시하였는데, 오버샘플링은 성능에 큰 차이를 보여주지 않아서 결론적으로는 적용시키지 않았습니다.</a:t>
             </a:r>
           </a:p>
         </p:txBody>
@@ -4734,7 +4810,7 @@
           <a:p>
             <a:pPr/>
             <a:r>
-              <a:t>[인코딩 : occupaton, payment behavior, credit_score]</a:t>
+              <a:t>[인코딩 : occupation, payment behavior, credit_score]</a:t>
             </a:r>
           </a:p>
           <a:p>
@@ -4784,7 +4860,7 @@
           <p:nvPr/>
         </p:nvPicPr>
         <p:blipFill>
-          <a:blip r:embed="rId2">
+          <a:blip r:embed="rId3">
             <a:extLst/>
           </a:blip>
           <a:stretch>
@@ -4813,7 +4889,7 @@
           <p:nvPr/>
         </p:nvPicPr>
         <p:blipFill>
-          <a:blip r:embed="rId3">
+          <a:blip r:embed="rId4">
             <a:extLst/>
           </a:blip>
           <a:stretch>
@@ -4861,7 +4937,7 @@
       </p:grpSpPr>
       <p:sp>
         <p:nvSpPr>
-          <p:cNvPr id="166" name="제목 1"/>
+          <p:cNvPr id="168" name="제목 1"/>
           <p:cNvSpPr txBox="1"/>
           <p:nvPr>
             <p:ph type="title"/>
@@ -4898,7 +4974,7 @@
       </p:sp>
       <p:sp>
         <p:nvSpPr>
-          <p:cNvPr id="167" name="내용 개체 틀 2"/>
+          <p:cNvPr id="169" name="내용 개체 틀 2"/>
           <p:cNvSpPr txBox="1"/>
           <p:nvPr>
             <p:ph type="body" idx="1"/>
@@ -4949,7 +5025,7 @@
       </p:grpSpPr>
       <p:sp>
         <p:nvSpPr>
-          <p:cNvPr id="169" name="제목 1"/>
+          <p:cNvPr id="171" name="제목 1"/>
           <p:cNvSpPr txBox="1"/>
           <p:nvPr>
             <p:ph type="title"/>
@@ -4973,7 +5049,7 @@
       </p:sp>
       <p:sp>
         <p:nvSpPr>
-          <p:cNvPr id="170" name="내용 개체 틀 2"/>
+          <p:cNvPr id="172" name="내용 개체 틀 2"/>
           <p:cNvSpPr txBox="1"/>
           <p:nvPr>
             <p:ph type="body" idx="1"/>
@@ -5020,7 +5096,7 @@
       </p:grpSpPr>
       <p:sp>
         <p:nvSpPr>
-          <p:cNvPr id="172" name="제목 1"/>
+          <p:cNvPr id="174" name="제목 1"/>
           <p:cNvSpPr txBox="1"/>
           <p:nvPr>
             <p:ph type="title"/>
@@ -5044,7 +5120,7 @@
       </p:sp>
       <p:sp>
         <p:nvSpPr>
-          <p:cNvPr id="173" name="내용 개체 틀 2"/>
+          <p:cNvPr id="175" name="내용 개체 틀 2"/>
           <p:cNvSpPr txBox="1"/>
           <p:nvPr>
             <p:ph type="body" idx="1"/>
@@ -5091,7 +5167,7 @@
       </p:grpSpPr>
       <p:sp>
         <p:nvSpPr>
-          <p:cNvPr id="175" name="제목 1"/>
+          <p:cNvPr id="177" name="제목 1"/>
           <p:cNvSpPr txBox="1"/>
           <p:nvPr>
             <p:ph type="title"/>
@@ -5115,7 +5191,7 @@
       </p:sp>
       <p:sp>
         <p:nvSpPr>
-          <p:cNvPr id="176" name="내용 개체 틀 2"/>
+          <p:cNvPr id="178" name="내용 개체 틀 2"/>
           <p:cNvSpPr txBox="1"/>
           <p:nvPr>
             <p:ph type="body" idx="1"/>
@@ -5162,7 +5238,7 @@
       </p:grpSpPr>
       <p:sp>
         <p:nvSpPr>
-          <p:cNvPr id="178" name="제목 1"/>
+          <p:cNvPr id="180" name="제목 1"/>
           <p:cNvSpPr txBox="1"/>
           <p:nvPr>
             <p:ph type="title"/>
@@ -5186,7 +5262,7 @@
       </p:sp>
       <p:sp>
         <p:nvSpPr>
-          <p:cNvPr id="179" name="내용 개체 틀 2"/>
+          <p:cNvPr id="181" name="내용 개체 틀 2"/>
           <p:cNvSpPr txBox="1"/>
           <p:nvPr>
             <p:ph type="body" idx="1"/>
@@ -5233,7 +5309,7 @@
       </p:grpSpPr>
       <p:sp>
         <p:nvSpPr>
-          <p:cNvPr id="181" name="제목 1"/>
+          <p:cNvPr id="183" name="제목 1"/>
           <p:cNvSpPr txBox="1"/>
           <p:nvPr>
             <p:ph type="title"/>
@@ -5257,7 +5333,7 @@
       </p:sp>
       <p:sp>
         <p:nvSpPr>
-          <p:cNvPr id="182" name="내용 개체 틀 2"/>
+          <p:cNvPr id="184" name="내용 개체 틀 2"/>
           <p:cNvSpPr txBox="1"/>
           <p:nvPr>
             <p:ph type="body" idx="1"/>
@@ -5304,7 +5380,7 @@
       </p:grpSpPr>
       <p:sp>
         <p:nvSpPr>
-          <p:cNvPr id="184" name="제목 1"/>
+          <p:cNvPr id="186" name="제목 1"/>
           <p:cNvSpPr txBox="1"/>
           <p:nvPr>
             <p:ph type="title"/>
@@ -5335,7 +5411,7 @@
       </p:sp>
       <p:sp>
         <p:nvSpPr>
-          <p:cNvPr id="185" name="내용 개체 틀 2"/>
+          <p:cNvPr id="187" name="내용 개체 틀 2"/>
           <p:cNvSpPr txBox="1"/>
           <p:nvPr>
             <p:ph type="body" idx="1"/>
@@ -5528,7 +5604,7 @@
       </p:grpSpPr>
       <p:sp>
         <p:nvSpPr>
-          <p:cNvPr id="187" name="제목 1"/>
+          <p:cNvPr id="189" name="제목 1"/>
           <p:cNvSpPr txBox="1"/>
           <p:nvPr>
             <p:ph type="title"/>
@@ -5559,7 +5635,7 @@
       </p:sp>
       <p:sp>
         <p:nvSpPr>
-          <p:cNvPr id="188" name="내용 개체 틀 2"/>
+          <p:cNvPr id="190" name="내용 개체 틀 2"/>
           <p:cNvSpPr txBox="1"/>
           <p:nvPr>
             <p:ph type="body" idx="1"/>
@@ -5610,7 +5686,7 @@
       </p:grpSpPr>
       <p:sp>
         <p:nvSpPr>
-          <p:cNvPr id="190" name="제목 1"/>
+          <p:cNvPr id="192" name="제목 1"/>
           <p:cNvSpPr txBox="1"/>
           <p:nvPr>
             <p:ph type="title"/>
@@ -5641,7 +5717,7 @@
       </p:sp>
       <p:sp>
         <p:nvSpPr>
-          <p:cNvPr id="191" name="내용 개체 틀 2"/>
+          <p:cNvPr id="193" name="내용 개체 틀 2"/>
           <p:cNvSpPr txBox="1"/>
           <p:nvPr>
             <p:ph type="body" idx="1"/>
@@ -5692,7 +5768,7 @@
       </p:grpSpPr>
       <p:sp>
         <p:nvSpPr>
-          <p:cNvPr id="193" name="제목 1"/>
+          <p:cNvPr id="195" name="제목 1"/>
           <p:cNvSpPr txBox="1"/>
           <p:nvPr>
             <p:ph type="title"/>
@@ -5723,7 +5799,7 @@
       </p:sp>
       <p:sp>
         <p:nvSpPr>
-          <p:cNvPr id="194" name="내용 개체 틀 2"/>
+          <p:cNvPr id="196" name="내용 개체 틀 2"/>
           <p:cNvSpPr txBox="1"/>
           <p:nvPr>
             <p:ph type="body" idx="1"/>
@@ -5774,7 +5850,7 @@
       </p:grpSpPr>
       <p:sp>
         <p:nvSpPr>
-          <p:cNvPr id="196" name="제목 1"/>
+          <p:cNvPr id="198" name="제목 1"/>
           <p:cNvSpPr txBox="1"/>
           <p:nvPr>
             <p:ph type="title"/>
@@ -5805,7 +5881,7 @@
       </p:sp>
       <p:sp>
         <p:nvSpPr>
-          <p:cNvPr id="197" name="내용 개체 틀 2"/>
+          <p:cNvPr id="199" name="내용 개체 틀 2"/>
           <p:cNvSpPr txBox="1"/>
           <p:nvPr>
             <p:ph type="body" idx="1"/>

--- a/1차 자료/개인고객 신용등급 산정 모델링.pptx
+++ b/1차 자료/개인고객 신용등급 산정 모델링.pptx
@@ -759,6 +759,158 @@
             <a:pPr/>
             <a:r>
               <a:t>다음으로 저희 데이터에서는 중신용자 비율이 고신용자,저신용자에 비해 훨씬 많아서 불균형 데이터였습니다. 따라서 대표적 오버샘플링 기법인 SMOTE 기법을 적용해보았습니다. 그리고 후에 모델 성능 비교를 실시하였는데, 오버샘플링은 성능에 큰 차이를 보여주지 않아서 결론적으로는 적용시키지 않았습니다.</a:t>
+            </a:r>
+          </a:p>
+        </p:txBody>
+      </p:sp>
+    </p:spTree>
+  </p:cSld>
+  <p:clrMapOvr>
+    <a:masterClrMapping/>
+  </p:clrMapOvr>
+</p:notes>
+</file>
+
+<file path=ppt/notesSlides/notesSlide12.xml><?xml version="1.0" encoding="utf-8"?>
+<p:notes xmlns:a="http://schemas.openxmlformats.org/drawingml/2006/main" xmlns:r="http://schemas.openxmlformats.org/officeDocument/2006/relationships" xmlns:p="http://schemas.openxmlformats.org/presentationml/2006/main" xmlns:m="http://schemas.openxmlformats.org/officeDocument/2006/math" xmlns:a14="http://schemas.microsoft.com/office/drawing/2010/main" showMasterSp="1" showMasterPhAnim="1">
+  <p:cSld>
+    <p:spTree>
+      <p:nvGrpSpPr>
+        <p:cNvPr id="1" name=""/>
+        <p:cNvGrpSpPr/>
+        <p:nvPr/>
+      </p:nvGrpSpPr>
+      <p:grpSpPr>
+        <a:xfrm>
+          <a:off x="0" y="0"/>
+          <a:ext cx="0" cy="0"/>
+          <a:chOff x="0" y="0"/>
+          <a:chExt cx="0" cy="0"/>
+        </a:xfrm>
+      </p:grpSpPr>
+      <p:sp>
+        <p:nvSpPr>
+          <p:cNvPr id="175" name="Shape 175"/>
+          <p:cNvSpPr/>
+          <p:nvPr>
+            <p:ph type="sldImg"/>
+          </p:nvPr>
+        </p:nvSpPr>
+        <p:spPr>
+          <a:prstGeom prst="rect">
+            <a:avLst/>
+          </a:prstGeom>
+        </p:spPr>
+        <p:txBody>
+          <a:bodyPr/>
+          <a:lstStyle/>
+          <a:p>
+            <a:pPr/>
+          </a:p>
+        </p:txBody>
+      </p:sp>
+      <p:sp>
+        <p:nvSpPr>
+          <p:cNvPr id="176" name="Shape 176"/>
+          <p:cNvSpPr/>
+          <p:nvPr>
+            <p:ph type="body" sz="quarter" idx="1"/>
+          </p:nvPr>
+        </p:nvSpPr>
+        <p:spPr>
+          <a:prstGeom prst="rect">
+            <a:avLst/>
+          </a:prstGeom>
+        </p:spPr>
+        <p:txBody>
+          <a:bodyPr/>
+          <a:lstStyle/>
+          <a:p>
+            <a:pPr/>
+            <a:r>
+              <a:t> 모델링 과정에서는 먼저 수업 시간에 배운 다양한 모델과 추가 스터디를 통해 학습한 모델들을 두고 고민하였습니다. 이때 pycaret이라는 AutoML 오픈소스를 활용하여 효율적으로 모델 선택 및 최적화 과정을 진행하였습니다. 결론적으로 저희는 ExtraTrees를 선택하였습니다. ExtraTrees는 RandomForest보다 좀 더 극단적으로 randome하게 각 특성을 분할하는 모델입니다. 보통 3배 정도 연산이 빠르고 bias와 variance를 낮출 수 있다는 특징이 두드러집니다.</a:t>
+            </a:r>
+          </a:p>
+          <a:p>
+            <a:pPr/>
+            <a:r>
+              <a:t> 즉 이러한 Extra Trees 모델을 선택한 이유는 먼저 최적의 분할이 아니라 무작위 분할을 수행하기 때문에 속도가 빠르다는 장점이 있기 때문입니다. 또한, 데이터 overfitting 문제를 회피해주기 때문에 항상 단일 트리의 성능보다 좋은 성능을 보입니다.</a:t>
+            </a:r>
+          </a:p>
+          <a:p>
+            <a:pPr/>
+            <a:r>
+              <a:t> 따라서 개인고객의 신용등급을 고신용자, 중신용자, 저신용자 3가지로 분류하기 위해 Extra Trees 모델로 학습시켰고, 성능은 약 0.82로 나왔습니다. 다음 장에서는 모델링 결과를 시각화하여 데이터 분석 결과를 설명해드리겠습니다. </a:t>
+            </a:r>
+          </a:p>
+        </p:txBody>
+      </p:sp>
+    </p:spTree>
+  </p:cSld>
+  <p:clrMapOvr>
+    <a:masterClrMapping/>
+  </p:clrMapOvr>
+</p:notes>
+</file>
+
+<file path=ppt/notesSlides/notesSlide13.xml><?xml version="1.0" encoding="utf-8"?>
+<p:notes xmlns:a="http://schemas.openxmlformats.org/drawingml/2006/main" xmlns:r="http://schemas.openxmlformats.org/officeDocument/2006/relationships" xmlns:p="http://schemas.openxmlformats.org/presentationml/2006/main" xmlns:m="http://schemas.openxmlformats.org/officeDocument/2006/math" xmlns:a14="http://schemas.microsoft.com/office/drawing/2010/main" showMasterSp="1" showMasterPhAnim="1">
+  <p:cSld>
+    <p:spTree>
+      <p:nvGrpSpPr>
+        <p:cNvPr id="1" name=""/>
+        <p:cNvGrpSpPr/>
+        <p:nvPr/>
+      </p:nvGrpSpPr>
+      <p:grpSpPr>
+        <a:xfrm>
+          <a:off x="0" y="0"/>
+          <a:ext cx="0" cy="0"/>
+          <a:chOff x="0" y="0"/>
+          <a:chExt cx="0" cy="0"/>
+        </a:xfrm>
+      </p:grpSpPr>
+      <p:sp>
+        <p:nvSpPr>
+          <p:cNvPr id="182" name="Shape 182"/>
+          <p:cNvSpPr/>
+          <p:nvPr>
+            <p:ph type="sldImg"/>
+          </p:nvPr>
+        </p:nvSpPr>
+        <p:spPr>
+          <a:prstGeom prst="rect">
+            <a:avLst/>
+          </a:prstGeom>
+        </p:spPr>
+        <p:txBody>
+          <a:bodyPr/>
+          <a:lstStyle/>
+          <a:p>
+            <a:pPr/>
+          </a:p>
+        </p:txBody>
+      </p:sp>
+      <p:sp>
+        <p:nvSpPr>
+          <p:cNvPr id="183" name="Shape 183"/>
+          <p:cNvSpPr/>
+          <p:nvPr>
+            <p:ph type="body" sz="quarter" idx="1"/>
+          </p:nvPr>
+        </p:nvSpPr>
+        <p:spPr>
+          <a:prstGeom prst="rect">
+            <a:avLst/>
+          </a:prstGeom>
+        </p:spPr>
+        <p:txBody>
+          <a:bodyPr/>
+          <a:lstStyle/>
+          <a:p>
+            <a:pPr/>
+            <a:r>
+              <a:t> 최종적으로 Extra Trees 모델의 성능은 약 0.82 로 나왔습니다. 이렇게 학습시킨 모델의 Feature Importance를 시각화하여 데이터분석을 진행하였습니다. 그래프에서 보이듯이 credit mix, outstanding debt 요소가 높게 다루어지는 것을 볼 수 있습니다. 일반적으로 생각했던 age, occupation 등 개인의 현재 신상 혹은 경제 지표를 나타내는 변수들은 신용등급에서 크게 중요도가 두드러지지 않았습니다. 이렇게 신용등급 모델링을 진행 후에, 추가적인 데이터 인사이트를 얻기 위한 작업을 진행했습니다. </a:t>
             </a:r>
           </a:p>
         </p:txBody>
@@ -5042,7 +5194,7 @@
           <a:p>
             <a:pPr/>
             <a:r>
-              <a:t>4.2 머신러닝 모델링</a:t>
+              <a:t>4.1 머신러닝 모델링</a:t>
             </a:r>
           </a:p>
         </p:txBody>
@@ -5064,10 +5216,196 @@
           <a:bodyPr/>
           <a:lstStyle/>
           <a:p>
-            <a:pPr/>
-          </a:p>
-        </p:txBody>
-      </p:sp>
+            <a:pPr marL="157734" indent="-157734" defTabSz="630936">
+              <a:spcBef>
+                <a:spcPts val="600"/>
+              </a:spcBef>
+              <a:defRPr sz="1932"/>
+            </a:pPr>
+            <a:r>
+              <a:t>[Pycaret : Extra tree]</a:t>
+            </a:r>
+          </a:p>
+          <a:p>
+            <a:pPr lvl="8" marL="2681477" indent="-157734" defTabSz="630936">
+              <a:spcBef>
+                <a:spcPts val="600"/>
+              </a:spcBef>
+              <a:defRPr sz="1932"/>
+            </a:pPr>
+            <a:r>
+              <a:t>[What is Pycaret?]</a:t>
+            </a:r>
+          </a:p>
+          <a:p>
+            <a:pPr lvl="8" marL="2681477" indent="-157734" defTabSz="630936">
+              <a:spcBef>
+                <a:spcPts val="600"/>
+              </a:spcBef>
+              <a:defRPr sz="1932"/>
+            </a:pPr>
+            <a:r>
+              <a:t>- AutoML 적용해주는 라이브러리</a:t>
+            </a:r>
+          </a:p>
+          <a:p>
+            <a:pPr lvl="8" marL="2681477" indent="-157734" defTabSz="630936">
+              <a:spcBef>
+                <a:spcPts val="600"/>
+              </a:spcBef>
+              <a:defRPr sz="1932"/>
+            </a:pPr>
+            <a:r>
+              <a:t>- XGB, LightBGM, ExtraTree 등의 알고리즘 성능을 비교해서 최적 모델을 선택하고 최적화하는 과정을 효율적으로 처리해줌</a:t>
+            </a:r>
+          </a:p>
+          <a:p>
+            <a:pPr lvl="8" marL="2681477" indent="-157734" defTabSz="630936">
+              <a:spcBef>
+                <a:spcPts val="600"/>
+              </a:spcBef>
+              <a:defRPr sz="1932"/>
+            </a:pPr>
+          </a:p>
+          <a:p>
+            <a:pPr lvl="8" marL="2681477" indent="-157734" defTabSz="630936">
+              <a:spcBef>
+                <a:spcPts val="600"/>
+              </a:spcBef>
+              <a:defRPr sz="1932"/>
+            </a:pPr>
+            <a:r>
+              <a:t>[What is ExtraTrees?]</a:t>
+            </a:r>
+          </a:p>
+          <a:p>
+            <a:pPr lvl="8" marL="2681477" indent="-157734" defTabSz="630936">
+              <a:spcBef>
+                <a:spcPts val="600"/>
+              </a:spcBef>
+              <a:defRPr sz="1932"/>
+            </a:pPr>
+            <a:r>
+              <a:t>- Random Forest 보다 좀 더 극단적으로 random하게 만든 모델</a:t>
+            </a:r>
+          </a:p>
+          <a:p>
+            <a:pPr lvl="8" marL="2681477" indent="-157734" defTabSz="630936">
+              <a:spcBef>
+                <a:spcPts val="600"/>
+              </a:spcBef>
+              <a:defRPr sz="1932"/>
+            </a:pPr>
+            <a:r>
+              <a:t>- 3배 정도 연산이 빠르고 bias와 variance를 낮출 수 있음</a:t>
+            </a:r>
+          </a:p>
+          <a:p>
+            <a:pPr lvl="8" marL="2681477" indent="-157734" defTabSz="630936">
+              <a:spcBef>
+                <a:spcPts val="600"/>
+              </a:spcBef>
+              <a:defRPr sz="1932"/>
+            </a:pPr>
+          </a:p>
+          <a:p>
+            <a:pPr lvl="8" marL="2681477" indent="-157734" defTabSz="630936">
+              <a:spcBef>
+                <a:spcPts val="600"/>
+              </a:spcBef>
+              <a:defRPr sz="1932"/>
+            </a:pPr>
+          </a:p>
+          <a:p>
+            <a:pPr lvl="8" marL="2681477" indent="-157734" defTabSz="630936">
+              <a:spcBef>
+                <a:spcPts val="600"/>
+              </a:spcBef>
+              <a:defRPr sz="1932"/>
+            </a:pPr>
+            <a:r>
+              <a:t> </a:t>
+            </a:r>
+          </a:p>
+        </p:txBody>
+      </p:sp>
+      <p:sp>
+        <p:nvSpPr>
+          <p:cNvPr id="173" name="[Why ExtraTree Model?]…"/>
+          <p:cNvSpPr txBox="1"/>
+          <p:nvPr/>
+        </p:nvSpPr>
+        <p:spPr>
+          <a:xfrm>
+            <a:off x="818860" y="5121350"/>
+            <a:ext cx="7851434" cy="1257061"/>
+          </a:xfrm>
+          <a:prstGeom prst="rect">
+            <a:avLst/>
+          </a:prstGeom>
+          <a:ln w="12700">
+            <a:miter lim="400000"/>
+          </a:ln>
+          <a:extLst>
+            <a:ext uri="{C572A759-6A51-4108-AA02-DFA0A04FC94B}">
+              <ma14:wrappingTextBoxFlag xmlns:ma14="http://schemas.microsoft.com/office/mac/drawingml/2011/main" val="1"/>
+            </a:ext>
+          </a:extLst>
+        </p:spPr>
+        <p:txBody>
+          <a:bodyPr lIns="45719" rIns="45719">
+            <a:spAutoFit/>
+          </a:bodyPr>
+          <a:lstStyle/>
+          <a:p>
+            <a:pPr/>
+            <a:r>
+              <a:t>[Why ExtraTree Model?]</a:t>
+            </a:r>
+          </a:p>
+          <a:p>
+            <a:pPr/>
+            <a:r>
+              <a:t>- Random Forest 모델처럼 최적의 분할을 계산하지 않고 무작위로 분할하기 때문에 속도가 빠름</a:t>
+            </a:r>
+          </a:p>
+          <a:p>
+            <a:pPr/>
+            <a:r>
+              <a:t>- overfitting 문제를 회피하여 모델 정확도를 향상시킴 </a:t>
+            </a:r>
+          </a:p>
+        </p:txBody>
+      </p:sp>
+      <p:pic>
+        <p:nvPicPr>
+          <p:cNvPr id="174" name="이미지" descr="이미지"/>
+          <p:cNvPicPr>
+            <a:picLocks noChangeAspect="1"/>
+          </p:cNvPicPr>
+          <p:nvPr/>
+        </p:nvPicPr>
+        <p:blipFill>
+          <a:blip r:embed="rId3">
+            <a:extLst/>
+          </a:blip>
+          <a:stretch>
+            <a:fillRect/>
+          </a:stretch>
+        </p:blipFill>
+        <p:spPr>
+          <a:xfrm>
+            <a:off x="208115" y="2359716"/>
+            <a:ext cx="4231715" cy="2501014"/>
+          </a:xfrm>
+          <a:prstGeom prst="rect">
+            <a:avLst/>
+          </a:prstGeom>
+          <a:ln w="12700">
+            <a:miter lim="400000"/>
+          </a:ln>
+        </p:spPr>
+      </p:pic>
     </p:spTree>
   </p:cSld>
   <p:clrMapOvr>
@@ -5096,7 +5434,7 @@
       </p:grpSpPr>
       <p:sp>
         <p:nvSpPr>
-          <p:cNvPr id="174" name="제목 1"/>
+          <p:cNvPr id="178" name="제목 1"/>
           <p:cNvSpPr txBox="1"/>
           <p:nvPr>
             <p:ph type="title"/>
@@ -5113,20 +5451,24 @@
           <a:p>
             <a:pPr/>
             <a:r>
-              <a:t>4.3 모델 시각화</a:t>
-            </a:r>
-          </a:p>
-        </p:txBody>
-      </p:sp>
-      <p:sp>
-        <p:nvSpPr>
-          <p:cNvPr id="175" name="내용 개체 틀 2"/>
+              <a:t>4.2 모델 시각화</a:t>
+            </a:r>
+          </a:p>
+        </p:txBody>
+      </p:sp>
+      <p:sp>
+        <p:nvSpPr>
+          <p:cNvPr id="179" name="내용 개체 틀 2"/>
           <p:cNvSpPr txBox="1"/>
           <p:nvPr>
             <p:ph type="body" idx="1"/>
           </p:nvPr>
         </p:nvSpPr>
         <p:spPr>
+          <a:xfrm>
+            <a:off x="838200" y="1837768"/>
+            <a:ext cx="10515601" cy="4351339"/>
+          </a:xfrm>
           <a:prstGeom prst="rect">
             <a:avLst/>
           </a:prstGeom>
@@ -5135,10 +5477,135 @@
           <a:bodyPr/>
           <a:lstStyle/>
           <a:p>
-            <a:pPr/>
-          </a:p>
-        </p:txBody>
-      </p:sp>
+            <a:pPr marL="194310" indent="-194310" defTabSz="777240">
+              <a:spcBef>
+                <a:spcPts val="800"/>
+              </a:spcBef>
+              <a:defRPr sz="2380"/>
+            </a:pPr>
+          </a:p>
+          <a:p>
+            <a:pPr marL="194310" indent="-194310" defTabSz="777240">
+              <a:spcBef>
+                <a:spcPts val="800"/>
+              </a:spcBef>
+              <a:defRPr sz="2380"/>
+            </a:pPr>
+          </a:p>
+          <a:p>
+            <a:pPr marL="194310" indent="-194310" defTabSz="777240">
+              <a:spcBef>
+                <a:spcPts val="800"/>
+              </a:spcBef>
+              <a:defRPr sz="2380"/>
+            </a:pPr>
+          </a:p>
+          <a:p>
+            <a:pPr marL="194310" indent="-194310" defTabSz="777240">
+              <a:spcBef>
+                <a:spcPts val="800"/>
+              </a:spcBef>
+              <a:defRPr sz="2380"/>
+            </a:pPr>
+          </a:p>
+          <a:p>
+            <a:pPr marL="194310" indent="-194310" defTabSz="777240">
+              <a:spcBef>
+                <a:spcPts val="800"/>
+              </a:spcBef>
+              <a:defRPr sz="2380"/>
+            </a:pPr>
+          </a:p>
+          <a:p>
+            <a:pPr marL="194310" indent="-194310" defTabSz="777240">
+              <a:spcBef>
+                <a:spcPts val="800"/>
+              </a:spcBef>
+              <a:defRPr sz="2380"/>
+            </a:pPr>
+          </a:p>
+          <a:p>
+            <a:pPr marL="194310" indent="-194310" defTabSz="777240">
+              <a:spcBef>
+                <a:spcPts val="800"/>
+              </a:spcBef>
+              <a:defRPr sz="2380"/>
+            </a:pPr>
+            <a:r>
+              <a:t>Feature Importance를 확인한 결과 credit mix, outstanding debt, interest rate 요소가 높게 다루어지는 것을 볼 수 있음</a:t>
+            </a:r>
+          </a:p>
+          <a:p>
+            <a:pPr marL="194310" indent="-194310" defTabSz="777240">
+              <a:spcBef>
+                <a:spcPts val="800"/>
+              </a:spcBef>
+              <a:defRPr sz="2380"/>
+            </a:pPr>
+            <a:r>
+              <a:t>일반적 상식과 달리 age, occupation 등 개인의 현재 경제 지표를 나타내는 변수들의 중요도는 크게 두드러지는 특성을 보이지 않음</a:t>
+            </a:r>
+          </a:p>
+        </p:txBody>
+      </p:sp>
+      <p:pic>
+        <p:nvPicPr>
+          <p:cNvPr id="180" name="M1 모델 시각화.png" descr="M1 모델 시각화.png"/>
+          <p:cNvPicPr>
+            <a:picLocks noChangeAspect="1"/>
+          </p:cNvPicPr>
+          <p:nvPr/>
+        </p:nvPicPr>
+        <p:blipFill>
+          <a:blip r:embed="rId3">
+            <a:extLst/>
+          </a:blip>
+          <a:stretch>
+            <a:fillRect/>
+          </a:stretch>
+        </p:blipFill>
+        <p:spPr>
+          <a:xfrm>
+            <a:off x="5659405" y="1178341"/>
+            <a:ext cx="5507885" cy="3022433"/>
+          </a:xfrm>
+          <a:prstGeom prst="rect">
+            <a:avLst/>
+          </a:prstGeom>
+          <a:ln w="12700">
+            <a:miter lim="400000"/>
+          </a:ln>
+        </p:spPr>
+      </p:pic>
+      <p:pic>
+        <p:nvPicPr>
+          <p:cNvPr id="181" name="M! 성능.png" descr="M! 성능.png"/>
+          <p:cNvPicPr>
+            <a:picLocks noChangeAspect="1"/>
+          </p:cNvPicPr>
+          <p:nvPr/>
+        </p:nvPicPr>
+        <p:blipFill>
+          <a:blip r:embed="rId4">
+            <a:extLst/>
+          </a:blip>
+          <a:stretch>
+            <a:fillRect/>
+          </a:stretch>
+        </p:blipFill>
+        <p:spPr>
+          <a:xfrm>
+            <a:off x="1363816" y="1518382"/>
+            <a:ext cx="3567816" cy="2342350"/>
+          </a:xfrm>
+          <a:prstGeom prst="rect">
+            <a:avLst/>
+          </a:prstGeom>
+          <a:ln w="12700">
+            <a:miter lim="400000"/>
+          </a:ln>
+        </p:spPr>
+      </p:pic>
     </p:spTree>
   </p:cSld>
   <p:clrMapOvr>
@@ -5167,7 +5634,7 @@
       </p:grpSpPr>
       <p:sp>
         <p:nvSpPr>
-          <p:cNvPr id="177" name="제목 1"/>
+          <p:cNvPr id="185" name="제목 1"/>
           <p:cNvSpPr txBox="1"/>
           <p:nvPr>
             <p:ph type="title"/>
@@ -5191,7 +5658,7 @@
       </p:sp>
       <p:sp>
         <p:nvSpPr>
-          <p:cNvPr id="178" name="내용 개체 틀 2"/>
+          <p:cNvPr id="186" name="내용 개체 틀 2"/>
           <p:cNvSpPr txBox="1"/>
           <p:nvPr>
             <p:ph type="body" idx="1"/>
@@ -5238,7 +5705,7 @@
       </p:grpSpPr>
       <p:sp>
         <p:nvSpPr>
-          <p:cNvPr id="180" name="제목 1"/>
+          <p:cNvPr id="188" name="제목 1"/>
           <p:cNvSpPr txBox="1"/>
           <p:nvPr>
             <p:ph type="title"/>
@@ -5262,7 +5729,7 @@
       </p:sp>
       <p:sp>
         <p:nvSpPr>
-          <p:cNvPr id="181" name="내용 개체 틀 2"/>
+          <p:cNvPr id="189" name="내용 개체 틀 2"/>
           <p:cNvSpPr txBox="1"/>
           <p:nvPr>
             <p:ph type="body" idx="1"/>
@@ -5309,7 +5776,7 @@
       </p:grpSpPr>
       <p:sp>
         <p:nvSpPr>
-          <p:cNvPr id="183" name="제목 1"/>
+          <p:cNvPr id="191" name="제목 1"/>
           <p:cNvSpPr txBox="1"/>
           <p:nvPr>
             <p:ph type="title"/>
@@ -5333,7 +5800,7 @@
       </p:sp>
       <p:sp>
         <p:nvSpPr>
-          <p:cNvPr id="184" name="내용 개체 틀 2"/>
+          <p:cNvPr id="192" name="내용 개체 틀 2"/>
           <p:cNvSpPr txBox="1"/>
           <p:nvPr>
             <p:ph type="body" idx="1"/>
@@ -5380,7 +5847,7 @@
       </p:grpSpPr>
       <p:sp>
         <p:nvSpPr>
-          <p:cNvPr id="186" name="제목 1"/>
+          <p:cNvPr id="194" name="제목 1"/>
           <p:cNvSpPr txBox="1"/>
           <p:nvPr>
             <p:ph type="title"/>
@@ -5411,7 +5878,7 @@
       </p:sp>
       <p:sp>
         <p:nvSpPr>
-          <p:cNvPr id="187" name="내용 개체 틀 2"/>
+          <p:cNvPr id="195" name="내용 개체 틀 2"/>
           <p:cNvSpPr txBox="1"/>
           <p:nvPr>
             <p:ph type="body" idx="1"/>
@@ -5604,7 +6071,7 @@
       </p:grpSpPr>
       <p:sp>
         <p:nvSpPr>
-          <p:cNvPr id="189" name="제목 1"/>
+          <p:cNvPr id="197" name="제목 1"/>
           <p:cNvSpPr txBox="1"/>
           <p:nvPr>
             <p:ph type="title"/>
@@ -5635,7 +6102,7 @@
       </p:sp>
       <p:sp>
         <p:nvSpPr>
-          <p:cNvPr id="190" name="내용 개체 틀 2"/>
+          <p:cNvPr id="198" name="내용 개체 틀 2"/>
           <p:cNvSpPr txBox="1"/>
           <p:nvPr>
             <p:ph type="body" idx="1"/>
@@ -5686,7 +6153,7 @@
       </p:grpSpPr>
       <p:sp>
         <p:nvSpPr>
-          <p:cNvPr id="192" name="제목 1"/>
+          <p:cNvPr id="200" name="제목 1"/>
           <p:cNvSpPr txBox="1"/>
           <p:nvPr>
             <p:ph type="title"/>
@@ -5717,7 +6184,7 @@
       </p:sp>
       <p:sp>
         <p:nvSpPr>
-          <p:cNvPr id="193" name="내용 개체 틀 2"/>
+          <p:cNvPr id="201" name="내용 개체 틀 2"/>
           <p:cNvSpPr txBox="1"/>
           <p:nvPr>
             <p:ph type="body" idx="1"/>
@@ -5768,7 +6235,7 @@
       </p:grpSpPr>
       <p:sp>
         <p:nvSpPr>
-          <p:cNvPr id="195" name="제목 1"/>
+          <p:cNvPr id="203" name="제목 1"/>
           <p:cNvSpPr txBox="1"/>
           <p:nvPr>
             <p:ph type="title"/>
@@ -5799,7 +6266,7 @@
       </p:sp>
       <p:sp>
         <p:nvSpPr>
-          <p:cNvPr id="196" name="내용 개체 틀 2"/>
+          <p:cNvPr id="204" name="내용 개체 틀 2"/>
           <p:cNvSpPr txBox="1"/>
           <p:nvPr>
             <p:ph type="body" idx="1"/>
@@ -5850,7 +6317,7 @@
       </p:grpSpPr>
       <p:sp>
         <p:nvSpPr>
-          <p:cNvPr id="198" name="제목 1"/>
+          <p:cNvPr id="206" name="제목 1"/>
           <p:cNvSpPr txBox="1"/>
           <p:nvPr>
             <p:ph type="title"/>
@@ -5881,7 +6348,7 @@
       </p:sp>
       <p:sp>
         <p:nvSpPr>
-          <p:cNvPr id="199" name="내용 개체 틀 2"/>
+          <p:cNvPr id="207" name="내용 개체 틀 2"/>
           <p:cNvSpPr txBox="1"/>
           <p:nvPr>
             <p:ph type="body" idx="1"/>

--- a/1차 자료/개인고객 신용등급 산정 모델링.pptx
+++ b/1차 자료/개인고객 신용등급 산정 모델링.pptx
@@ -910,7 +910,83 @@
           <a:p>
             <a:pPr/>
             <a:r>
-              <a:t> 최종적으로 Extra Trees 모델의 성능은 약 0.82 로 나왔습니다. 이렇게 학습시킨 모델의 Feature Importance를 시각화하여 데이터분석을 진행하였습니다. 그래프에서 보이듯이 credit mix, outstanding debt 요소가 높게 다루어지는 것을 볼 수 있습니다. 일반적으로 생각했던 age, occupation 등 개인의 현재 신상 혹은 경제 지표를 나타내는 변수들은 신용등급에서 크게 중요도가 두드러지지 않았습니다. 이렇게 신용등급 모델링을 진행 후에, 추가적인 데이터 인사이트를 얻기 위한 작업을 진행했습니다. </a:t>
+              <a:t> 최종적으로 Extra Trees 를 사용한 개인고객 신용등급 분류 모델의 성능은 약 0.82 로 나왔습니다. 이때 k-fold 교차검증을 실시해 모델을 검증하였으며, 오버샘플링과 튜닝 여부는 성능에 큰 차이가 없어서 최종적으로는 제외한 결과입니다. 이렇게 학습시킨 모델의 Feature Importance를 시각화하여 데이터분석을 진행하였습니다. 그래프에서 보이듯이 credit mix, outstanding debt 요소가 높게 다루어지는 것을 볼 수 있습니다. 일반적으로 생각했던 age, occupation 등 개인의 현재 신상 혹은 경제 지표를 나타내는 변수들은 신용등급에서 크게 중요도가 두드러지지 않았습니다. 이렇게 신용등급 모델링을 진행 후에, 추가적인 데이터 인사이트를 얻기 위한 작업을 진행했습니다.</a:t>
+            </a:r>
+          </a:p>
+        </p:txBody>
+      </p:sp>
+    </p:spTree>
+  </p:cSld>
+  <p:clrMapOvr>
+    <a:masterClrMapping/>
+  </p:clrMapOvr>
+</p:notes>
+</file>
+
+<file path=ppt/notesSlides/notesSlide14.xml><?xml version="1.0" encoding="utf-8"?>
+<p:notes xmlns:a="http://schemas.openxmlformats.org/drawingml/2006/main" xmlns:r="http://schemas.openxmlformats.org/officeDocument/2006/relationships" xmlns:p="http://schemas.openxmlformats.org/presentationml/2006/main" xmlns:m="http://schemas.openxmlformats.org/officeDocument/2006/math" xmlns:a14="http://schemas.microsoft.com/office/drawing/2010/main" showMasterSp="1" showMasterPhAnim="1">
+  <p:cSld>
+    <p:spTree>
+      <p:nvGrpSpPr>
+        <p:cNvPr id="1" name=""/>
+        <p:cNvGrpSpPr/>
+        <p:nvPr/>
+      </p:nvGrpSpPr>
+      <p:grpSpPr>
+        <a:xfrm>
+          <a:off x="0" y="0"/>
+          <a:ext cx="0" cy="0"/>
+          <a:chOff x="0" y="0"/>
+          <a:chExt cx="0" cy="0"/>
+        </a:xfrm>
+      </p:grpSpPr>
+      <p:sp>
+        <p:nvSpPr>
+          <p:cNvPr id="194" name="Shape 194"/>
+          <p:cNvSpPr/>
+          <p:nvPr>
+            <p:ph type="sldImg"/>
+          </p:nvPr>
+        </p:nvSpPr>
+        <p:spPr>
+          <a:prstGeom prst="rect">
+            <a:avLst/>
+          </a:prstGeom>
+        </p:spPr>
+        <p:txBody>
+          <a:bodyPr/>
+          <a:lstStyle/>
+          <a:p>
+            <a:pPr/>
+          </a:p>
+        </p:txBody>
+      </p:sp>
+      <p:sp>
+        <p:nvSpPr>
+          <p:cNvPr id="195" name="Shape 195"/>
+          <p:cNvSpPr/>
+          <p:nvPr>
+            <p:ph type="body" sz="quarter" idx="1"/>
+          </p:nvPr>
+        </p:nvSpPr>
+        <p:spPr>
+          <a:prstGeom prst="rect">
+            <a:avLst/>
+          </a:prstGeom>
+        </p:spPr>
+        <p:txBody>
+          <a:bodyPr/>
+          <a:lstStyle/>
+          <a:p>
+            <a:pPr/>
+            <a:r>
+              <a:t>앞서 진행한 과정을 토대로, 중신용자를 k-means clustering 으로 다시 이진분류하는 모델을 만들었습니다. 중신용자 중에서도 상대적으로 신용이 좋은 고객과 그렇지 않은 고객을 분류해내기 위함입니다. </a:t>
+            </a:r>
+          </a:p>
+          <a:p>
+            <a:pPr/>
+            <a:r>
+              <a:t> 이러한 클러스터링 작업에서 k-means clustering을 적용한 이유는 수렴성이 보장될 뿐만이 아니라 사전에 특정 변수에 대한 역할 정의가 필요하지 않아서 알고리즘 적용이 비교적  편리했기 때문입니다.</a:t>
             </a:r>
           </a:p>
         </p:txBody>
@@ -1439,7 +1515,7 @@
               <a:t>, </a:t>
             </a:r>
             <a:r>
-              <a:t>이자율이 클수록 저신용자 비율이 감소하고 있습니다</a:t>
+              <a:t>이자율이 클수록 저신용자 비율이 증가하고 있습니다</a:t>
             </a:r>
             <a:r>
               <a:t>. </a:t>
@@ -4364,10 +4440,6 @@
           </p:nvPr>
         </p:nvSpPr>
         <p:spPr>
-          <a:xfrm>
-            <a:off x="838200" y="365125"/>
-            <a:ext cx="10515600" cy="1325563"/>
-          </a:xfrm>
           <a:prstGeom prst="rect">
             <a:avLst/>
           </a:prstGeom>
@@ -4396,8 +4468,8 @@
         </p:nvSpPr>
         <p:spPr>
           <a:xfrm>
-            <a:off x="830792" y="2038594"/>
-            <a:ext cx="10515601" cy="4351338"/>
+            <a:off x="830792" y="2038593"/>
+            <a:ext cx="10515601" cy="4351339"/>
           </a:xfrm>
           <a:prstGeom prst="rect">
             <a:avLst/>
@@ -5543,7 +5615,7 @@
               <a:defRPr sz="2380"/>
             </a:pPr>
             <a:r>
-              <a:t>일반적 상식과 달리 age, occupation 등 개인의 현재 경제 지표를 나타내는 변수들의 중요도는 크게 두드러지는 특성을 보이지 않음</a:t>
+              <a:t>일반적 상식과 달리 age, occupation 등 개인의 현재 경제 지표를 나타내는 변수들의 중요도는 크게 두드러지는 특성을 보이지 않음 </a:t>
             </a:r>
           </a:p>
         </p:txBody>
@@ -5651,7 +5723,7 @@
           <a:p>
             <a:pPr/>
             <a:r>
-              <a:t>5. 클러스터링</a:t>
+              <a:t>5. 추가적 데이터 인사이트 도출</a:t>
             </a:r>
           </a:p>
         </p:txBody>
@@ -5722,7 +5794,7 @@
           <a:p>
             <a:pPr/>
             <a:r>
-              <a:t>5.1 데이터 인사이트 도입부</a:t>
+              <a:t>5.1 데이터 인사이트 도출 EDA</a:t>
             </a:r>
           </a:p>
         </p:txBody>
@@ -5793,7 +5865,7 @@
           <a:p>
             <a:pPr/>
             <a:r>
-              <a:t>5.2 고객 클러스터링</a:t>
+              <a:t>5.2 중신용자 클러스터링</a:t>
             </a:r>
           </a:p>
         </p:txBody>
@@ -5815,10 +5887,110 @@
           <a:bodyPr/>
           <a:lstStyle/>
           <a:p>
-            <a:pPr/>
-          </a:p>
-        </p:txBody>
-      </p:sp>
+            <a:pPr lvl="7" marL="2914650" indent="-194310" defTabSz="777240">
+              <a:spcBef>
+                <a:spcPts val="800"/>
+              </a:spcBef>
+              <a:defRPr sz="2380"/>
+            </a:pPr>
+            <a:r>
+              <a:t>[중신용자를 k-means clustering 으로 다시 이진분류]</a:t>
+            </a:r>
+          </a:p>
+          <a:p>
+            <a:pPr lvl="7" marL="2914650" indent="-194310" defTabSz="777240">
+              <a:spcBef>
+                <a:spcPts val="800"/>
+              </a:spcBef>
+              <a:defRPr sz="2380"/>
+            </a:pPr>
+            <a:r>
+              <a:t>- 신용등급 분류 모델(M1 모델)에서 중신용자로 분류된 고객 데이터를 k-means clustering 하여 중신용자 중에서도 신용이 좋은 “중고신용자”와, 중신용자 중에서도 신용이 안 좋은 “중저신용자”로 분류(M2 모델)</a:t>
+            </a:r>
+          </a:p>
+          <a:p>
+            <a:pPr marL="194310" indent="-194310" defTabSz="777240">
+              <a:spcBef>
+                <a:spcPts val="800"/>
+              </a:spcBef>
+              <a:defRPr sz="2380"/>
+            </a:pPr>
+          </a:p>
+          <a:p>
+            <a:pPr marL="194310" indent="-194310" defTabSz="777240">
+              <a:spcBef>
+                <a:spcPts val="800"/>
+              </a:spcBef>
+              <a:defRPr sz="2380"/>
+            </a:pPr>
+            <a:r>
+              <a:t>[why k-means clustering?]</a:t>
+            </a:r>
+          </a:p>
+          <a:p>
+            <a:pPr marL="194310" indent="-194310" defTabSz="777240">
+              <a:spcBef>
+                <a:spcPts val="800"/>
+              </a:spcBef>
+              <a:defRPr sz="2380"/>
+            </a:pPr>
+            <a:r>
+              <a:t>- 입력 변수와 계산이 복잡하지 않아서 대용량 데이터에도 적용 가능</a:t>
+            </a:r>
+          </a:p>
+          <a:p>
+            <a:pPr marL="194310" indent="-194310" defTabSz="777240">
+              <a:spcBef>
+                <a:spcPts val="800"/>
+              </a:spcBef>
+              <a:defRPr sz="2380"/>
+            </a:pPr>
+            <a:r>
+              <a:t>- 사전에 특정 변수에 대한 역할 정의가 필요하지 않아서 적용이 쉬움</a:t>
+            </a:r>
+          </a:p>
+          <a:p>
+            <a:pPr marL="194310" indent="-194310" defTabSz="777240">
+              <a:spcBef>
+                <a:spcPts val="800"/>
+              </a:spcBef>
+              <a:defRPr sz="2380"/>
+            </a:pPr>
+            <a:r>
+              <a:t>- 수렴성 보장</a:t>
+            </a:r>
+          </a:p>
+        </p:txBody>
+      </p:sp>
+      <p:pic>
+        <p:nvPicPr>
+          <p:cNvPr id="193" name="KakaoTalk_Image_2023-08-05-17-45-30.jpeg" descr="KakaoTalk_Image_2023-08-05-17-45-30.jpeg"/>
+          <p:cNvPicPr>
+            <a:picLocks noChangeAspect="1"/>
+          </p:cNvPicPr>
+          <p:nvPr/>
+        </p:nvPicPr>
+        <p:blipFill>
+          <a:blip r:embed="rId3">
+            <a:extLst/>
+          </a:blip>
+          <a:stretch>
+            <a:fillRect/>
+          </a:stretch>
+        </p:blipFill>
+        <p:spPr>
+          <a:xfrm>
+            <a:off x="145868" y="1868550"/>
+            <a:ext cx="3711110" cy="1394566"/>
+          </a:xfrm>
+          <a:prstGeom prst="rect">
+            <a:avLst/>
+          </a:prstGeom>
+          <a:ln w="12700">
+            <a:miter lim="400000"/>
+          </a:ln>
+        </p:spPr>
+      </p:pic>
     </p:spTree>
   </p:cSld>
   <p:clrMapOvr>
@@ -5847,17 +6019,13 @@
       </p:grpSpPr>
       <p:sp>
         <p:nvSpPr>
-          <p:cNvPr id="194" name="제목 1"/>
+          <p:cNvPr id="197" name="제목 1"/>
           <p:cNvSpPr txBox="1"/>
           <p:nvPr>
             <p:ph type="title"/>
           </p:nvPr>
         </p:nvSpPr>
         <p:spPr>
-          <a:xfrm>
-            <a:off x="838200" y="365125"/>
-            <a:ext cx="10515600" cy="1325563"/>
-          </a:xfrm>
           <a:prstGeom prst="rect">
             <a:avLst/>
           </a:prstGeom>
@@ -5868,27 +6036,20 @@
           <a:p>
             <a:pPr/>
             <a:r>
-              <a:t>5. </a:t>
-            </a:r>
-            <a:r>
-              <a:t>클러스터링</a:t>
-            </a:r>
-          </a:p>
-        </p:txBody>
-      </p:sp>
-      <p:sp>
-        <p:nvSpPr>
-          <p:cNvPr id="195" name="내용 개체 틀 2"/>
+              <a:t>5.3 주성분 분석</a:t>
+            </a:r>
+          </a:p>
+        </p:txBody>
+      </p:sp>
+      <p:sp>
+        <p:nvSpPr>
+          <p:cNvPr id="198" name="내용 개체 틀 2"/>
           <p:cNvSpPr txBox="1"/>
           <p:nvPr>
             <p:ph type="body" idx="1"/>
           </p:nvPr>
         </p:nvSpPr>
         <p:spPr>
-          <a:xfrm>
-            <a:off x="838200" y="1825625"/>
-            <a:ext cx="10515600" cy="4351338"/>
-          </a:xfrm>
           <a:prstGeom prst="rect">
             <a:avLst/>
           </a:prstGeom>
@@ -5898,6 +6059,9 @@
           <a:lstStyle/>
           <a:p>
             <a:pPr/>
+            <a:r>
+              <a:t>일단 미룸</a:t>
+            </a:r>
           </a:p>
         </p:txBody>
       </p:sp>
@@ -6071,7 +6235,7 @@
       </p:grpSpPr>
       <p:sp>
         <p:nvSpPr>
-          <p:cNvPr id="197" name="제목 1"/>
+          <p:cNvPr id="200" name="제목 1"/>
           <p:cNvSpPr txBox="1"/>
           <p:nvPr>
             <p:ph type="title"/>
@@ -6102,7 +6266,7 @@
       </p:sp>
       <p:sp>
         <p:nvSpPr>
-          <p:cNvPr id="198" name="내용 개체 틀 2"/>
+          <p:cNvPr id="201" name="내용 개체 틀 2"/>
           <p:cNvSpPr txBox="1"/>
           <p:nvPr>
             <p:ph type="body" idx="1"/>
@@ -6153,7 +6317,7 @@
       </p:grpSpPr>
       <p:sp>
         <p:nvSpPr>
-          <p:cNvPr id="200" name="제목 1"/>
+          <p:cNvPr id="203" name="제목 1"/>
           <p:cNvSpPr txBox="1"/>
           <p:nvPr>
             <p:ph type="title"/>
@@ -6172,9 +6336,11 @@
           <a:bodyPr/>
           <a:lstStyle/>
           <a:p>
-            <a:pPr/>
-            <a:r>
-              <a:t>6. </a:t>
+            <a:pPr defTabSz="896111">
+              <a:defRPr sz="4312"/>
+            </a:pPr>
+            <a:r>
+              <a:t>6.1 </a:t>
             </a:r>
             <a:r>
               <a:t>중신용자 대출 승인을 위한 잠재적 기준 제안</a:t>
@@ -6184,7 +6350,7 @@
       </p:sp>
       <p:sp>
         <p:nvSpPr>
-          <p:cNvPr id="201" name="내용 개체 틀 2"/>
+          <p:cNvPr id="204" name="내용 개체 틀 2"/>
           <p:cNvSpPr txBox="1"/>
           <p:nvPr>
             <p:ph type="body" idx="1"/>
@@ -6235,7 +6401,7 @@
       </p:grpSpPr>
       <p:sp>
         <p:nvSpPr>
-          <p:cNvPr id="203" name="제목 1"/>
+          <p:cNvPr id="206" name="제목 1"/>
           <p:cNvSpPr txBox="1"/>
           <p:nvPr>
             <p:ph type="title"/>
@@ -6266,7 +6432,7 @@
       </p:sp>
       <p:sp>
         <p:nvSpPr>
-          <p:cNvPr id="204" name="내용 개체 틀 2"/>
+          <p:cNvPr id="207" name="내용 개체 틀 2"/>
           <p:cNvSpPr txBox="1"/>
           <p:nvPr>
             <p:ph type="body" idx="1"/>
@@ -6317,7 +6483,7 @@
       </p:grpSpPr>
       <p:sp>
         <p:nvSpPr>
-          <p:cNvPr id="206" name="제목 1"/>
+          <p:cNvPr id="209" name="제목 1"/>
           <p:cNvSpPr txBox="1"/>
           <p:nvPr>
             <p:ph type="title"/>
@@ -6348,7 +6514,7 @@
       </p:sp>
       <p:sp>
         <p:nvSpPr>
-          <p:cNvPr id="207" name="내용 개체 틀 2"/>
+          <p:cNvPr id="210" name="내용 개체 틀 2"/>
           <p:cNvSpPr txBox="1"/>
           <p:nvPr>
             <p:ph type="body" idx="1"/>
@@ -6809,10 +6975,6 @@
           </p:nvPr>
         </p:nvSpPr>
         <p:spPr>
-          <a:xfrm>
-            <a:off x="838200" y="365125"/>
-            <a:ext cx="10515600" cy="1325563"/>
-          </a:xfrm>
           <a:prstGeom prst="rect">
             <a:avLst/>
           </a:prstGeom>
@@ -7047,7 +7209,7 @@
               <a:defRPr sz="1500"/>
             </a:pPr>
             <a:r>
-              <a:t>이자율이 클수록 저신용자 비율이 줄어들고 있음</a:t>
+              <a:t>이자율이 클수록 저신용자 비율이 증가하고 있음</a:t>
             </a:r>
           </a:p>
           <a:p>

--- a/1차 자료/개인고객 신용등급 산정 모델링.pptx
+++ b/1차 자료/개인고객 신용등급 산정 모델링.pptx
@@ -999,6 +999,152 @@
 </p:notes>
 </file>
 
+<file path=ppt/notesSlides/notesSlide15.xml><?xml version="1.0" encoding="utf-8"?>
+<p:notes xmlns:a="http://schemas.openxmlformats.org/drawingml/2006/main" xmlns:r="http://schemas.openxmlformats.org/officeDocument/2006/relationships" xmlns:p="http://schemas.openxmlformats.org/presentationml/2006/main" xmlns:m="http://schemas.openxmlformats.org/officeDocument/2006/math" xmlns:a14="http://schemas.microsoft.com/office/drawing/2010/main" showMasterSp="1" showMasterPhAnim="1">
+  <p:cSld>
+    <p:spTree>
+      <p:nvGrpSpPr>
+        <p:cNvPr id="1" name=""/>
+        <p:cNvGrpSpPr/>
+        <p:nvPr/>
+      </p:nvGrpSpPr>
+      <p:grpSpPr>
+        <a:xfrm>
+          <a:off x="0" y="0"/>
+          <a:ext cx="0" cy="0"/>
+          <a:chOff x="0" y="0"/>
+          <a:chExt cx="0" cy="0"/>
+        </a:xfrm>
+      </p:grpSpPr>
+      <p:sp>
+        <p:nvSpPr>
+          <p:cNvPr id="204" name="Shape 204"/>
+          <p:cNvSpPr/>
+          <p:nvPr>
+            <p:ph type="sldImg"/>
+          </p:nvPr>
+        </p:nvSpPr>
+        <p:spPr>
+          <a:prstGeom prst="rect">
+            <a:avLst/>
+          </a:prstGeom>
+        </p:spPr>
+        <p:txBody>
+          <a:bodyPr/>
+          <a:lstStyle/>
+          <a:p>
+            <a:pPr/>
+          </a:p>
+        </p:txBody>
+      </p:sp>
+      <p:sp>
+        <p:nvSpPr>
+          <p:cNvPr id="205" name="Shape 205"/>
+          <p:cNvSpPr/>
+          <p:nvPr>
+            <p:ph type="body" sz="quarter" idx="1"/>
+          </p:nvPr>
+        </p:nvSpPr>
+        <p:spPr>
+          <a:prstGeom prst="rect">
+            <a:avLst/>
+          </a:prstGeom>
+        </p:spPr>
+        <p:txBody>
+          <a:bodyPr/>
+          <a:lstStyle/>
+          <a:p>
+            <a:pPr/>
+            <a:r>
+              <a:t>지금까지 클러스터링으로 중신용자를 중고신용자, 중저신용자로 분류했다면 , 이제는 어떠한 요인들때문에 이러한 이진분류가 가능했는지를 통계 분석해보았습니다. 먼저 T 검정을 수행했을 시에 total EMI per month, outstanding debt, delay from due date, credit utilization ratio 변수들은 모두 유의미하다는 결론을 얻었습니다. 즉 중신용자들을 재분류하는데 이 변수들이 크게 영향을 미친 것이라고 해석할 수 있습니다. </a:t>
+            </a:r>
+          </a:p>
+          <a:p>
+            <a:pPr/>
+            <a:r>
+              <a:t> 다음으로 카이제곱 검정을 수행했을 시에는 num of delayed payment, num credit inquiries변수는 유의미하지 않았습니다. 즉 중신용자들을 재분류하는데 별로 영향을 미치지 못 한 것입니다.</a:t>
+            </a:r>
+          </a:p>
+        </p:txBody>
+      </p:sp>
+    </p:spTree>
+  </p:cSld>
+  <p:clrMapOvr>
+    <a:masterClrMapping/>
+  </p:clrMapOvr>
+</p:notes>
+</file>
+
+<file path=ppt/notesSlides/notesSlide16.xml><?xml version="1.0" encoding="utf-8"?>
+<p:notes xmlns:a="http://schemas.openxmlformats.org/drawingml/2006/main" xmlns:r="http://schemas.openxmlformats.org/officeDocument/2006/relationships" xmlns:p="http://schemas.openxmlformats.org/presentationml/2006/main" xmlns:m="http://schemas.openxmlformats.org/officeDocument/2006/math" xmlns:a14="http://schemas.microsoft.com/office/drawing/2010/main" showMasterSp="1" showMasterPhAnim="1">
+  <p:cSld>
+    <p:spTree>
+      <p:nvGrpSpPr>
+        <p:cNvPr id="1" name=""/>
+        <p:cNvGrpSpPr/>
+        <p:nvPr/>
+      </p:nvGrpSpPr>
+      <p:grpSpPr>
+        <a:xfrm>
+          <a:off x="0" y="0"/>
+          <a:ext cx="0" cy="0"/>
+          <a:chOff x="0" y="0"/>
+          <a:chExt cx="0" cy="0"/>
+        </a:xfrm>
+      </p:grpSpPr>
+      <p:sp>
+        <p:nvSpPr>
+          <p:cNvPr id="212" name="Shape 212"/>
+          <p:cNvSpPr/>
+          <p:nvPr>
+            <p:ph type="sldImg"/>
+          </p:nvPr>
+        </p:nvSpPr>
+        <p:spPr>
+          <a:prstGeom prst="rect">
+            <a:avLst/>
+          </a:prstGeom>
+        </p:spPr>
+        <p:txBody>
+          <a:bodyPr/>
+          <a:lstStyle/>
+          <a:p>
+            <a:pPr/>
+          </a:p>
+        </p:txBody>
+      </p:sp>
+      <p:sp>
+        <p:nvSpPr>
+          <p:cNvPr id="213" name="Shape 213"/>
+          <p:cNvSpPr/>
+          <p:nvPr>
+            <p:ph type="body" sz="quarter" idx="1"/>
+          </p:nvPr>
+        </p:nvSpPr>
+        <p:spPr>
+          <a:prstGeom prst="rect">
+            <a:avLst/>
+          </a:prstGeom>
+        </p:spPr>
+        <p:txBody>
+          <a:bodyPr/>
+          <a:lstStyle/>
+          <a:p>
+            <a:pPr/>
+            <a:r>
+              <a:t>클러스터링 분석 후 통계 분석까지 진행한 결과 주로 EDA 에서 채무 부담 즉 채무 상환 의지로 정의한 변수들이 크게 영향을 미쳤습니다. 따라서 이러한 변수들로 구성된 새로운 대출 승인 기준을 제안합니다.</a:t>
+            </a:r>
+          </a:p>
+        </p:txBody>
+      </p:sp>
+    </p:spTree>
+  </p:cSld>
+  <p:clrMapOvr>
+    <a:masterClrMapping/>
+  </p:clrMapOvr>
+</p:notes>
+</file>
+
 <file path=ppt/notesSlides/notesSlide2.xml><?xml version="1.0" encoding="utf-8"?>
 <p:notes xmlns:a="http://schemas.openxmlformats.org/drawingml/2006/main" xmlns:r="http://schemas.openxmlformats.org/officeDocument/2006/relationships" xmlns:p="http://schemas.openxmlformats.org/presentationml/2006/main" xmlns:m="http://schemas.openxmlformats.org/officeDocument/2006/math" xmlns:a14="http://schemas.microsoft.com/office/drawing/2010/main" showMasterSp="1" showMasterPhAnim="1">
   <p:cSld>
@@ -1974,19 +2120,10 @@
               <a:t>통계 분석이 필요합니다</a:t>
             </a:r>
             <a:r>
-              <a:t>. </a:t>
-            </a:r>
-            <a:r>
-              <a:t>이때 더 나아가서 지불행동</a:t>
-            </a:r>
-            <a:r>
-              <a:t>,</a:t>
-            </a:r>
-            <a:r>
-              <a:t>신용등급 등으로 클러스터링한 고객 그룹과 미상환잔액과의 관계 또한 통계 분석으로 확인하고자 합니다</a:t>
-            </a:r>
-            <a:r>
-              <a:t>.</a:t>
+              <a:t>. 또한 본 프로젝트에서는 </a:t>
+            </a:r>
+            <a:r>
+              <a:t>이렇게 데이터를 분석한 결과를 토대로, 추가적인 데이터 인사이트 도출까지 달성했습니다.</a:t>
             </a:r>
           </a:p>
         </p:txBody>
@@ -4659,10 +4796,6 @@
           </p:nvPr>
         </p:nvSpPr>
         <p:spPr>
-          <a:xfrm>
-            <a:off x="838200" y="365125"/>
-            <a:ext cx="10515600" cy="1325563"/>
-          </a:xfrm>
           <a:prstGeom prst="rect">
             <a:avLst/>
           </a:prstGeom>
@@ -4690,10 +4823,6 @@
           </p:nvPr>
         </p:nvSpPr>
         <p:spPr>
-          <a:xfrm>
-            <a:off x="838200" y="1825625"/>
-            <a:ext cx="10515600" cy="4351338"/>
-          </a:xfrm>
           <a:prstGeom prst="rect">
             <a:avLst/>
           </a:prstGeom>
@@ -4954,8 +5083,8 @@
         </p:blipFill>
         <p:spPr>
           <a:xfrm>
-            <a:off x="7986401" y="4482941"/>
-            <a:ext cx="3696021" cy="1828959"/>
+            <a:off x="8643643" y="4632610"/>
+            <a:ext cx="3038779" cy="1503726"/>
           </a:xfrm>
           <a:prstGeom prst="rect">
             <a:avLst/>
@@ -5539,7 +5668,7 @@
         <p:spPr>
           <a:xfrm>
             <a:off x="838200" y="1837768"/>
-            <a:ext cx="10515601" cy="4351339"/>
+            <a:ext cx="10515600" cy="4351339"/>
           </a:xfrm>
           <a:prstGeom prst="rect">
             <a:avLst/>
@@ -5746,6 +5875,21 @@
           <a:lstStyle/>
           <a:p>
             <a:pPr/>
+            <a:r>
+              <a:t>5.1</a:t>
+            </a:r>
+          </a:p>
+          <a:p>
+            <a:pPr/>
+            <a:r>
+              <a:t>5.2</a:t>
+            </a:r>
+          </a:p>
+          <a:p>
+            <a:pPr/>
+            <a:r>
+              <a:t>5.3</a:t>
+            </a:r>
           </a:p>
         </p:txBody>
       </p:sp>
@@ -6036,7 +6180,7 @@
           <a:p>
             <a:pPr/>
             <a:r>
-              <a:t>5.3 주성분 분석</a:t>
+              <a:t>5.3 통계 분석</a:t>
             </a:r>
           </a:p>
         </p:txBody>
@@ -6058,13 +6202,258 @@
           <a:bodyPr/>
           <a:lstStyle/>
           <a:p>
-            <a:pPr/>
-            <a:r>
-              <a:t>일단 미룸</a:t>
-            </a:r>
-          </a:p>
-        </p:txBody>
-      </p:sp>
+            <a:pPr marL="153162" indent="-153162" defTabSz="612648">
+              <a:spcBef>
+                <a:spcPts val="600"/>
+              </a:spcBef>
+              <a:defRPr sz="1876"/>
+            </a:pPr>
+            <a:r>
+              <a:t>[t-test : total EMI per month, outstanding debt, delay from due date, credit utilization ratio]</a:t>
+            </a:r>
+          </a:p>
+          <a:p>
+            <a:pPr marL="153162" indent="-153162" defTabSz="612648">
+              <a:spcBef>
+                <a:spcPts val="600"/>
+              </a:spcBef>
+              <a:defRPr sz="1876"/>
+            </a:pPr>
+            <a:r>
+              <a:t>- T 검정 통계 분석 시 귀무가설을 기각하므로 해당 변수들은 모두 유의미하다 </a:t>
+            </a:r>
+          </a:p>
+          <a:p>
+            <a:pPr marL="153162" indent="-153162" defTabSz="612648">
+              <a:spcBef>
+                <a:spcPts val="600"/>
+              </a:spcBef>
+              <a:defRPr sz="1876"/>
+            </a:pPr>
+            <a:r>
+              <a:t>- 즉 중신용자를 중고신용자와 중저신용자로 분류하는데 유의미한 의미가 있다</a:t>
+            </a:r>
+          </a:p>
+          <a:p>
+            <a:pPr marL="153162" indent="-153162" defTabSz="612648">
+              <a:spcBef>
+                <a:spcPts val="600"/>
+              </a:spcBef>
+              <a:defRPr sz="1876"/>
+            </a:pPr>
+          </a:p>
+          <a:p>
+            <a:pPr marL="153162" indent="-153162" defTabSz="612648">
+              <a:spcBef>
+                <a:spcPts val="600"/>
+              </a:spcBef>
+              <a:defRPr sz="1876"/>
+            </a:pPr>
+          </a:p>
+          <a:p>
+            <a:pPr marL="153162" indent="-153162" defTabSz="612648">
+              <a:spcBef>
+                <a:spcPts val="600"/>
+              </a:spcBef>
+              <a:defRPr sz="1876"/>
+            </a:pPr>
+          </a:p>
+          <a:p>
+            <a:pPr marL="153162" indent="-153162" defTabSz="612648">
+              <a:spcBef>
+                <a:spcPts val="600"/>
+              </a:spcBef>
+              <a:defRPr sz="1876"/>
+            </a:pPr>
+          </a:p>
+          <a:p>
+            <a:pPr marL="153162" indent="-153162" defTabSz="612648">
+              <a:spcBef>
+                <a:spcPts val="600"/>
+              </a:spcBef>
+              <a:defRPr sz="1876"/>
+            </a:pPr>
+          </a:p>
+          <a:p>
+            <a:pPr marL="153162" indent="-153162" defTabSz="612648">
+              <a:spcBef>
+                <a:spcPts val="600"/>
+              </a:spcBef>
+              <a:defRPr sz="1876"/>
+            </a:pPr>
+            <a:r>
+              <a:t>[chi-square statistic : payment of min amount, num of delayed payment]</a:t>
+            </a:r>
+          </a:p>
+          <a:p>
+            <a:pPr marL="153162" indent="-153162" defTabSz="612648">
+              <a:spcBef>
+                <a:spcPts val="600"/>
+              </a:spcBef>
+              <a:defRPr sz="1876"/>
+            </a:pPr>
+            <a:r>
+              <a:t>- 카이제곱 검정 통계 분석 시 num of delayed payment, num credit inquiries는 유의미하지 않고 payment of min amount는 유의미하다</a:t>
+            </a:r>
+          </a:p>
+          <a:p>
+            <a:pPr marL="153162" indent="-153162" defTabSz="612648">
+              <a:spcBef>
+                <a:spcPts val="600"/>
+              </a:spcBef>
+              <a:defRPr sz="1876"/>
+            </a:pPr>
+            <a:r>
+              <a:t>- 즉 중신용자를 중고신용자와 중저신용자로 분류하는 데 num of delayed payment는 영향을 미치지 않는다</a:t>
+            </a:r>
+          </a:p>
+        </p:txBody>
+      </p:sp>
+      <p:pic>
+        <p:nvPicPr>
+          <p:cNvPr id="199" name="이미지" descr="이미지"/>
+          <p:cNvPicPr>
+            <a:picLocks noChangeAspect="1"/>
+          </p:cNvPicPr>
+          <p:nvPr/>
+        </p:nvPicPr>
+        <p:blipFill>
+          <a:blip r:embed="rId3">
+            <a:extLst/>
+          </a:blip>
+          <a:stretch>
+            <a:fillRect/>
+          </a:stretch>
+        </p:blipFill>
+        <p:spPr>
+          <a:xfrm>
+            <a:off x="981830" y="3324758"/>
+            <a:ext cx="1627823" cy="1185328"/>
+          </a:xfrm>
+          <a:prstGeom prst="rect">
+            <a:avLst/>
+          </a:prstGeom>
+          <a:ln w="12700">
+            <a:miter lim="400000"/>
+          </a:ln>
+        </p:spPr>
+      </p:pic>
+      <p:pic>
+        <p:nvPicPr>
+          <p:cNvPr id="200" name="이미지" descr="이미지"/>
+          <p:cNvPicPr>
+            <a:picLocks noChangeAspect="1"/>
+          </p:cNvPicPr>
+          <p:nvPr/>
+        </p:nvPicPr>
+        <p:blipFill>
+          <a:blip r:embed="rId4">
+            <a:extLst/>
+          </a:blip>
+          <a:stretch>
+            <a:fillRect/>
+          </a:stretch>
+        </p:blipFill>
+        <p:spPr>
+          <a:xfrm>
+            <a:off x="3492584" y="3199557"/>
+            <a:ext cx="1627823" cy="1192406"/>
+          </a:xfrm>
+          <a:prstGeom prst="rect">
+            <a:avLst/>
+          </a:prstGeom>
+          <a:ln w="12700">
+            <a:miter lim="400000"/>
+          </a:ln>
+        </p:spPr>
+      </p:pic>
+      <p:pic>
+        <p:nvPicPr>
+          <p:cNvPr id="201" name="이미지" descr="이미지"/>
+          <p:cNvPicPr>
+            <a:picLocks noChangeAspect="1"/>
+          </p:cNvPicPr>
+          <p:nvPr/>
+        </p:nvPicPr>
+        <p:blipFill>
+          <a:blip r:embed="rId5">
+            <a:extLst/>
+          </a:blip>
+          <a:stretch>
+            <a:fillRect/>
+          </a:stretch>
+        </p:blipFill>
+        <p:spPr>
+          <a:xfrm>
+            <a:off x="6003337" y="3165343"/>
+            <a:ext cx="1697517" cy="1260656"/>
+          </a:xfrm>
+          <a:prstGeom prst="rect">
+            <a:avLst/>
+          </a:prstGeom>
+          <a:ln w="12700">
+            <a:miter lim="400000"/>
+          </a:ln>
+        </p:spPr>
+      </p:pic>
+      <p:pic>
+        <p:nvPicPr>
+          <p:cNvPr id="202" name="이미지" descr="이미지"/>
+          <p:cNvPicPr>
+            <a:picLocks noChangeAspect="1"/>
+          </p:cNvPicPr>
+          <p:nvPr/>
+        </p:nvPicPr>
+        <p:blipFill>
+          <a:blip r:embed="rId6">
+            <a:extLst/>
+          </a:blip>
+          <a:stretch>
+            <a:fillRect/>
+          </a:stretch>
+        </p:blipFill>
+        <p:spPr>
+          <a:xfrm>
+            <a:off x="8583703" y="3148019"/>
+            <a:ext cx="1983745" cy="1377411"/>
+          </a:xfrm>
+          <a:prstGeom prst="rect">
+            <a:avLst/>
+          </a:prstGeom>
+          <a:ln w="12700">
+            <a:miter lim="400000"/>
+          </a:ln>
+        </p:spPr>
+      </p:pic>
+      <p:pic>
+        <p:nvPicPr>
+          <p:cNvPr id="203" name="이미지" descr="이미지"/>
+          <p:cNvPicPr>
+            <a:picLocks noChangeAspect="1"/>
+          </p:cNvPicPr>
+          <p:nvPr/>
+        </p:nvPicPr>
+        <p:blipFill>
+          <a:blip r:embed="rId7">
+            <a:extLst/>
+          </a:blip>
+          <a:stretch>
+            <a:fillRect/>
+          </a:stretch>
+        </p:blipFill>
+        <p:spPr>
+          <a:xfrm>
+            <a:off x="881729" y="5612188"/>
+            <a:ext cx="3557886" cy="1968337"/>
+          </a:xfrm>
+          <a:prstGeom prst="rect">
+            <a:avLst/>
+          </a:prstGeom>
+          <a:ln w="12700">
+            <a:miter lim="400000"/>
+          </a:ln>
+        </p:spPr>
+      </p:pic>
     </p:spTree>
   </p:cSld>
   <p:clrMapOvr>
@@ -6235,7 +6624,7 @@
       </p:grpSpPr>
       <p:sp>
         <p:nvSpPr>
-          <p:cNvPr id="200" name="제목 1"/>
+          <p:cNvPr id="207" name="제목 1"/>
           <p:cNvSpPr txBox="1"/>
           <p:nvPr>
             <p:ph type="title"/>
@@ -6266,7 +6655,7 @@
       </p:sp>
       <p:sp>
         <p:nvSpPr>
-          <p:cNvPr id="201" name="내용 개체 틀 2"/>
+          <p:cNvPr id="208" name="내용 개체 틀 2"/>
           <p:cNvSpPr txBox="1"/>
           <p:nvPr>
             <p:ph type="body" idx="1"/>
@@ -6317,7 +6706,7 @@
       </p:grpSpPr>
       <p:sp>
         <p:nvSpPr>
-          <p:cNvPr id="203" name="제목 1"/>
+          <p:cNvPr id="210" name="제목 1"/>
           <p:cNvSpPr txBox="1"/>
           <p:nvPr>
             <p:ph type="title"/>
@@ -6336,21 +6725,19 @@
           <a:bodyPr/>
           <a:lstStyle/>
           <a:p>
-            <a:pPr defTabSz="896111">
-              <a:defRPr sz="4312"/>
-            </a:pPr>
+            <a:pPr/>
             <a:r>
               <a:t>6.1 </a:t>
             </a:r>
             <a:r>
-              <a:t>중신용자 대출 승인을 위한 잠재적 기준 제안</a:t>
-            </a:r>
-          </a:p>
-        </p:txBody>
-      </p:sp>
-      <p:sp>
-        <p:nvSpPr>
-          <p:cNvPr id="204" name="내용 개체 틀 2"/>
+              <a:t>중신용자 대출 승인을 위한 잠재 기준 제안</a:t>
+            </a:r>
+          </a:p>
+        </p:txBody>
+      </p:sp>
+      <p:sp>
+        <p:nvSpPr>
+          <p:cNvPr id="211" name="내용 개체 틀 2"/>
           <p:cNvSpPr txBox="1"/>
           <p:nvPr>
             <p:ph type="body" idx="1"/>
@@ -6370,6 +6757,21 @@
           <a:lstStyle/>
           <a:p>
             <a:pPr/>
+            <a:r>
+              <a:t>[잠재기준 제안 : total EMI per month, outstanding debt, delay from due date, credit utilization ratio]</a:t>
+            </a:r>
+          </a:p>
+          <a:p>
+            <a:pPr/>
+            <a:r>
+              <a:t>- EDA에서 채무 부담 (채무 상환 의지)로 정의한 변수들로 구성된 새로운 대출 승인 잠재 기준 제안</a:t>
+            </a:r>
+          </a:p>
+          <a:p>
+            <a:pPr/>
+            <a:r>
+              <a:t>- EDA에서 개인 상황 (경제 지표)로 정의한 변수인 num credit inquiries  는 상식과 달리 대출 승인 기준에서 중요하지 않으므로 제외</a:t>
+            </a:r>
           </a:p>
         </p:txBody>
       </p:sp>
@@ -6401,7 +6803,7 @@
       </p:grpSpPr>
       <p:sp>
         <p:nvSpPr>
-          <p:cNvPr id="206" name="제목 1"/>
+          <p:cNvPr id="215" name="제목 1"/>
           <p:cNvSpPr txBox="1"/>
           <p:nvPr>
             <p:ph type="title"/>
@@ -6420,9 +6822,11 @@
           <a:bodyPr/>
           <a:lstStyle/>
           <a:p>
-            <a:pPr/>
-            <a:r>
-              <a:t>6. </a:t>
+            <a:pPr defTabSz="896111">
+              <a:defRPr sz="4312"/>
+            </a:pPr>
+            <a:r>
+              <a:t>6.2 </a:t>
             </a:r>
             <a:r>
               <a:t>중신용자 대출 승인을 위한 잠재적 기준 제안</a:t>
@@ -6432,7 +6836,7 @@
       </p:sp>
       <p:sp>
         <p:nvSpPr>
-          <p:cNvPr id="207" name="내용 개체 틀 2"/>
+          <p:cNvPr id="216" name="내용 개체 틀 2"/>
           <p:cNvSpPr txBox="1"/>
           <p:nvPr>
             <p:ph type="body" idx="1"/>
@@ -6483,17 +6887,13 @@
       </p:grpSpPr>
       <p:sp>
         <p:nvSpPr>
-          <p:cNvPr id="209" name="제목 1"/>
+          <p:cNvPr id="218" name="제목 1"/>
           <p:cNvSpPr txBox="1"/>
           <p:nvPr>
             <p:ph type="title"/>
           </p:nvPr>
         </p:nvSpPr>
         <p:spPr>
-          <a:xfrm>
-            <a:off x="838200" y="365125"/>
-            <a:ext cx="10515600" cy="1325563"/>
-          </a:xfrm>
           <a:prstGeom prst="rect">
             <a:avLst/>
           </a:prstGeom>
@@ -6504,7 +6904,7 @@
           <a:p>
             <a:pPr/>
             <a:r>
-              <a:t>6-4. </a:t>
+              <a:t>6.3 </a:t>
             </a:r>
             <a:r>
               <a:t>시사점 및 기대효과</a:t>
@@ -6514,7 +6914,7 @@
       </p:sp>
       <p:sp>
         <p:nvSpPr>
-          <p:cNvPr id="210" name="내용 개체 틀 2"/>
+          <p:cNvPr id="219" name="내용 개체 틀 2"/>
           <p:cNvSpPr txBox="1"/>
           <p:nvPr>
             <p:ph type="body" idx="1"/>
@@ -6556,7 +6956,7 @@
               <a:t>3. </a:t>
             </a:r>
             <a:r>
-              <a:t>대출 규모는 증대시키면서 디폴트리스크는 낮춰 주요 수익원 개선 효과</a:t>
+              <a:t>대출 규모는 증대시키면서 디폴트리스크는 낮춰 은행 주요 수익원 개선 효과</a:t>
             </a:r>
           </a:p>
           <a:p>
@@ -6565,7 +6965,7 @@
               <a:t>4. </a:t>
             </a:r>
             <a:r>
-              <a:t>향후 비재무적 정보와 결합하여 </a:t>
+              <a:t>향후 비재무적 정보와 결합하여 저신용자, 씬파일러를 위한 새로운 대출 심사 기준 제안</a:t>
             </a:r>
           </a:p>
         </p:txBody>
@@ -6753,13 +7153,16 @@
               <a:defRPr sz="2450"/>
             </a:pPr>
             <a:r>
-              <a:t>새로운 대출 기준 제안 </a:t>
-            </a:r>
-            <a:r>
-              <a:t>: </a:t>
-            </a:r>
-            <a:r>
-              <a:t>클러스터링 정보를 바탕으로 그레이존 고객 대출 심사 잠재기준 제안</a:t>
+              <a:t>새로운 데이터 인사이트 도출</a:t>
+            </a:r>
+            <a:r>
+              <a:t> </a:t>
+            </a:r>
+            <a:r>
+              <a:t>: 통계 분석, 상관관계 분석, </a:t>
+            </a:r>
+            <a:r>
+              <a:t>클러스터링 활용한 분석 결과를 토대로 새로운 데이터 인사이트 도출</a:t>
             </a:r>
           </a:p>
         </p:txBody>
@@ -6828,10 +7231,6 @@
           </p:nvPr>
         </p:nvSpPr>
         <p:spPr>
-          <a:xfrm>
-            <a:off x="838200" y="365125"/>
-            <a:ext cx="10515600" cy="1325563"/>
-          </a:xfrm>
           <a:prstGeom prst="rect">
             <a:avLst/>
           </a:prstGeom>
@@ -6862,10 +7261,6 @@
           </p:nvPr>
         </p:nvSpPr>
         <p:spPr>
-          <a:xfrm>
-            <a:off x="838200" y="1825625"/>
-            <a:ext cx="10515600" cy="4351338"/>
-          </a:xfrm>
           <a:prstGeom prst="rect">
             <a:avLst/>
           </a:prstGeom>
@@ -7005,10 +7400,6 @@
           </p:nvPr>
         </p:nvSpPr>
         <p:spPr>
-          <a:xfrm>
-            <a:off x="838200" y="1825625"/>
-            <a:ext cx="10515600" cy="4351338"/>
-          </a:xfrm>
           <a:prstGeom prst="rect">
             <a:avLst/>
           </a:prstGeom>
@@ -7320,10 +7711,6 @@
           </p:nvPr>
         </p:nvSpPr>
         <p:spPr>
-          <a:xfrm>
-            <a:off x="838200" y="365125"/>
-            <a:ext cx="10515600" cy="1325563"/>
-          </a:xfrm>
           <a:prstGeom prst="rect">
             <a:avLst/>
           </a:prstGeom>
@@ -7354,10 +7741,6 @@
           </p:nvPr>
         </p:nvSpPr>
         <p:spPr>
-          <a:xfrm>
-            <a:off x="838200" y="1825625"/>
-            <a:ext cx="10515600" cy="4351338"/>
-          </a:xfrm>
           <a:prstGeom prst="rect">
             <a:avLst/>
           </a:prstGeom>
@@ -8281,7 +8664,7 @@
               <a:t>, </a:t>
             </a:r>
             <a:r>
-              <a:t>통계 분석 필요</a:t>
+              <a:t>통계 분석을 통한 요인들 간 관계 확인 필요</a:t>
             </a:r>
           </a:p>
           <a:p>
@@ -8294,10 +8677,10 @@
               <a:defRPr sz="1500"/>
             </a:pPr>
             <a:r>
-              <a:t>  -&gt; </a:t>
-            </a:r>
-            <a:r>
-              <a:t>지불행동과 신용등급 등으로 클러스터링한 고객 그룹과 미상환잔액과의 관계를 통계분석으로 확인 </a:t>
+              <a:t>  -&gt; 다양한 데이터 분석 결과를 토대로 추가적 데이터 인사이트 도출</a:t>
+            </a:r>
+            <a:r>
+              <a:t> </a:t>
             </a:r>
           </a:p>
         </p:txBody>
